--- a/docs/00_Praesentation/PF_SnakeFX.pptx
+++ b/docs/00_Praesentation/PF_SnakeFX.pptx
@@ -5,7 +5,7 @@
     <p:sldMasterId id="2147483648" r:id="rId1"/>
   </p:sldMasterIdLst>
   <p:notesMasterIdLst>
-    <p:notesMasterId r:id="rId9"/>
+    <p:notesMasterId r:id="rId16"/>
   </p:notesMasterIdLst>
   <p:sldIdLst>
     <p:sldId id="256" r:id="rId2"/>
@@ -15,6 +15,13 @@
     <p:sldId id="260" r:id="rId6"/>
     <p:sldId id="261" r:id="rId7"/>
     <p:sldId id="262" r:id="rId8"/>
+    <p:sldId id="268" r:id="rId9"/>
+    <p:sldId id="263" r:id="rId10"/>
+    <p:sldId id="265" r:id="rId11"/>
+    <p:sldId id="266" r:id="rId12"/>
+    <p:sldId id="267" r:id="rId13"/>
+    <p:sldId id="269" r:id="rId14"/>
+    <p:sldId id="270" r:id="rId15"/>
   </p:sldIdLst>
   <p:sldSz cx="12192000" cy="6858000"/>
   <p:notesSz cx="6858000" cy="9144000"/>
@@ -203,7 +210,7 @@
           <a:p>
             <a:fld id="{BAB8DCF7-2B6D-4416-A105-B3D90CEC5AE0}" type="datetimeFigureOut">
               <a:rPr lang="de-DE" smtClean="0"/>
-              <a:t>09.01.2021</a:t>
+              <a:t>17.02.2021</a:t>
             </a:fld>
             <a:endParaRPr lang="de-DE"/>
           </a:p>
@@ -617,7 +624,7 @@
           <a:p>
             <a:fld id="{CE5AB538-479A-4354-AB70-12B048A9DCBD}" type="datetime1">
               <a:rPr lang="de-DE" smtClean="0"/>
-              <a:t>09.01.2021</a:t>
+              <a:t>17.02.2021</a:t>
             </a:fld>
             <a:endParaRPr lang="de-DE"/>
           </a:p>
@@ -815,7 +822,7 @@
           <a:p>
             <a:fld id="{2FA0E3BF-3062-4EB4-8933-04194E85369A}" type="datetime1">
               <a:rPr lang="de-DE" smtClean="0"/>
-              <a:t>09.01.2021</a:t>
+              <a:t>17.02.2021</a:t>
             </a:fld>
             <a:endParaRPr lang="de-DE"/>
           </a:p>
@@ -1023,7 +1030,7 @@
           <a:p>
             <a:fld id="{BF35A7FB-F39F-49D9-B562-646B8C2ED832}" type="datetime1">
               <a:rPr lang="de-DE" smtClean="0"/>
-              <a:t>09.01.2021</a:t>
+              <a:t>17.02.2021</a:t>
             </a:fld>
             <a:endParaRPr lang="de-DE"/>
           </a:p>
@@ -1221,7 +1228,7 @@
           <a:p>
             <a:fld id="{CC981285-16DA-415C-B87D-7D2C128537D2}" type="datetime1">
               <a:rPr lang="de-DE" smtClean="0"/>
-              <a:t>09.01.2021</a:t>
+              <a:t>17.02.2021</a:t>
             </a:fld>
             <a:endParaRPr lang="de-DE"/>
           </a:p>
@@ -1496,7 +1503,7 @@
           <a:p>
             <a:fld id="{BA4C4FF7-9C3B-45F4-9D1C-3D25F5D2147C}" type="datetime1">
               <a:rPr lang="de-DE" smtClean="0"/>
-              <a:t>09.01.2021</a:t>
+              <a:t>17.02.2021</a:t>
             </a:fld>
             <a:endParaRPr lang="de-DE"/>
           </a:p>
@@ -1761,7 +1768,7 @@
           <a:p>
             <a:fld id="{28C14887-3BA8-404F-82FA-61F61F989B8E}" type="datetime1">
               <a:rPr lang="de-DE" smtClean="0"/>
-              <a:t>09.01.2021</a:t>
+              <a:t>17.02.2021</a:t>
             </a:fld>
             <a:endParaRPr lang="de-DE"/>
           </a:p>
@@ -2173,7 +2180,7 @@
           <a:p>
             <a:fld id="{13B298D0-9176-445D-AA7B-DA4F8228C2AD}" type="datetime1">
               <a:rPr lang="de-DE" smtClean="0"/>
-              <a:t>09.01.2021</a:t>
+              <a:t>17.02.2021</a:t>
             </a:fld>
             <a:endParaRPr lang="de-DE"/>
           </a:p>
@@ -2314,7 +2321,7 @@
           <a:p>
             <a:fld id="{4F8D158F-32BC-41DA-851C-E8C9062E54CD}" type="datetime1">
               <a:rPr lang="de-DE" smtClean="0"/>
-              <a:t>09.01.2021</a:t>
+              <a:t>17.02.2021</a:t>
             </a:fld>
             <a:endParaRPr lang="de-DE"/>
           </a:p>
@@ -2427,7 +2434,7 @@
           <a:p>
             <a:fld id="{9A326A97-2B4D-479A-803C-7253D7B49868}" type="datetime1">
               <a:rPr lang="de-DE" smtClean="0"/>
-              <a:t>09.01.2021</a:t>
+              <a:t>17.02.2021</a:t>
             </a:fld>
             <a:endParaRPr lang="de-DE"/>
           </a:p>
@@ -2738,7 +2745,7 @@
           <a:p>
             <a:fld id="{6E4A1C1E-9A17-4BE2-9346-96872D98FE42}" type="datetime1">
               <a:rPr lang="de-DE" smtClean="0"/>
-              <a:t>09.01.2021</a:t>
+              <a:t>17.02.2021</a:t>
             </a:fld>
             <a:endParaRPr lang="de-DE"/>
           </a:p>
@@ -3026,7 +3033,7 @@
           <a:p>
             <a:fld id="{71D5543F-E1D8-49B4-A430-0FD93F15630A}" type="datetime1">
               <a:rPr lang="de-DE" smtClean="0"/>
-              <a:t>09.01.2021</a:t>
+              <a:t>17.02.2021</a:t>
             </a:fld>
             <a:endParaRPr lang="de-DE"/>
           </a:p>
@@ -3267,7 +3274,7 @@
           <a:p>
             <a:fld id="{BD1B441C-A48D-44D3-94EC-55D305E1B726}" type="datetime1">
               <a:rPr lang="de-DE" smtClean="0"/>
-              <a:t>09.01.2021</a:t>
+              <a:t>17.02.2021</a:t>
             </a:fld>
             <a:endParaRPr lang="de-DE"/>
           </a:p>
@@ -3809,7 +3816,7 @@
                 <a:latin typeface="+mj-lt"/>
                 <a:ea typeface="Calibri" panose="020F0502020204030204" pitchFamily="34" charset="0"/>
               </a:rPr>
-              <a:t>Semester: Wintersemester 2020 </a:t>
+              <a:t>Semester: Wintersemester 2020  / 2021</a:t>
             </a:r>
           </a:p>
           <a:p>
@@ -3819,13 +3826,20 @@
             </a:endParaRPr>
           </a:p>
           <a:p>
+            <a:r>
+              <a:rPr lang="de-DE" sz="1200" dirty="0">
+                <a:latin typeface="+mj-lt"/>
+                <a:ea typeface="Calibri" panose="020F0502020204030204" pitchFamily="34" charset="0"/>
+              </a:rPr>
+              <a:t>19</a:t>
+            </a:r>
             <a:r>
               <a:rPr lang="de-DE" sz="1200" dirty="0">
                 <a:effectLst/>
                 <a:latin typeface="+mj-lt"/>
                 <a:ea typeface="Calibri" panose="020F0502020204030204" pitchFamily="34" charset="0"/>
               </a:rPr>
-              <a:t>x.01.2020</a:t>
+              <a:t>.02.2021</a:t>
             </a:r>
           </a:p>
         </p:txBody>
@@ -3834,6 +3848,880 @@
     <p:extLst>
       <p:ext uri="{BB962C8B-B14F-4D97-AF65-F5344CB8AC3E}">
         <p14:creationId xmlns:p14="http://schemas.microsoft.com/office/powerpoint/2010/main" val="885788375"/>
+      </p:ext>
+    </p:extLst>
+  </p:cSld>
+  <p:clrMapOvr>
+    <a:masterClrMapping/>
+  </p:clrMapOvr>
+</p:sld>
+</file>
+
+<file path=ppt/slides/slide10.xml><?xml version="1.0" encoding="utf-8"?>
+<p:sld xmlns:a="http://schemas.openxmlformats.org/drawingml/2006/main" xmlns:r="http://schemas.openxmlformats.org/officeDocument/2006/relationships" xmlns:p="http://schemas.openxmlformats.org/presentationml/2006/main">
+  <p:cSld>
+    <p:spTree>
+      <p:nvGrpSpPr>
+        <p:cNvPr id="1" name=""/>
+        <p:cNvGrpSpPr/>
+        <p:nvPr/>
+      </p:nvGrpSpPr>
+      <p:grpSpPr>
+        <a:xfrm>
+          <a:off x="0" y="0"/>
+          <a:ext cx="0" cy="0"/>
+          <a:chOff x="0" y="0"/>
+          <a:chExt cx="0" cy="0"/>
+        </a:xfrm>
+      </p:grpSpPr>
+      <p:sp>
+        <p:nvSpPr>
+          <p:cNvPr id="2" name="Titel 1">
+            <a:extLst>
+              <a:ext uri="{FF2B5EF4-FFF2-40B4-BE49-F238E27FC236}">
+                <a16:creationId xmlns:a16="http://schemas.microsoft.com/office/drawing/2014/main" id="{EAF38DF7-A210-4446-8FBA-844D4F27C3CC}"/>
+              </a:ext>
+            </a:extLst>
+          </p:cNvPr>
+          <p:cNvSpPr>
+            <a:spLocks noGrp="1"/>
+          </p:cNvSpPr>
+          <p:nvPr>
+            <p:ph type="title"/>
+          </p:nvPr>
+        </p:nvSpPr>
+        <p:spPr/>
+        <p:txBody>
+          <a:bodyPr/>
+          <a:lstStyle/>
+          <a:p>
+            <a:r>
+              <a:rPr lang="de-DE" dirty="0"/>
+              <a:t>Schlangenbeschaffenheit</a:t>
+            </a:r>
+          </a:p>
+        </p:txBody>
+      </p:sp>
+      <p:sp>
+        <p:nvSpPr>
+          <p:cNvPr id="4" name="Inhaltsplatzhalter 3">
+            <a:extLst>
+              <a:ext uri="{FF2B5EF4-FFF2-40B4-BE49-F238E27FC236}">
+                <a16:creationId xmlns:a16="http://schemas.microsoft.com/office/drawing/2014/main" id="{211E7832-BAE0-4D24-AD99-AEAB70F885BB}"/>
+              </a:ext>
+            </a:extLst>
+          </p:cNvPr>
+          <p:cNvSpPr>
+            <a:spLocks noGrp="1"/>
+          </p:cNvSpPr>
+          <p:nvPr>
+            <p:ph idx="1"/>
+          </p:nvPr>
+        </p:nvSpPr>
+        <p:spPr/>
+        <p:txBody>
+          <a:bodyPr/>
+          <a:lstStyle/>
+          <a:p>
+            <a:pPr marL="0" indent="0">
+              <a:buNone/>
+            </a:pPr>
+            <a:r>
+              <a:rPr lang="de-DE" dirty="0"/>
+              <a:t>Schlangenbewegung</a:t>
+            </a:r>
+          </a:p>
+          <a:p>
+            <a:r>
+              <a:rPr lang="de-DE" dirty="0"/>
+              <a:t>Spieler Eingabe wird in Richtungsvektor gewandelt</a:t>
+            </a:r>
+          </a:p>
+          <a:p>
+            <a:pPr marL="0" indent="0">
+              <a:buNone/>
+            </a:pPr>
+            <a:endParaRPr lang="de-DE" dirty="0"/>
+          </a:p>
+          <a:p>
+            <a:pPr marL="0" indent="0">
+              <a:buNone/>
+            </a:pPr>
+            <a:endParaRPr lang="de-DE" dirty="0"/>
+          </a:p>
+          <a:p>
+            <a:pPr marL="0" indent="0">
+              <a:buNone/>
+            </a:pPr>
+            <a:endParaRPr lang="de-DE" dirty="0"/>
+          </a:p>
+          <a:p>
+            <a:r>
+              <a:rPr lang="de-DE" dirty="0"/>
+              <a:t>Richtungsvektor und Koordinaten von </a:t>
+            </a:r>
+            <a:r>
+              <a:rPr lang="de-DE" dirty="0" err="1"/>
+              <a:t>snake.head</a:t>
+            </a:r>
+            <a:r>
+              <a:rPr lang="de-DE" dirty="0"/>
+              <a:t> ergeben Position des neuen Schlangenkopfes</a:t>
+            </a:r>
+          </a:p>
+          <a:p>
+            <a:r>
+              <a:rPr lang="de-DE" dirty="0"/>
+              <a:t>Jedes Listenelement nimmt den Wert des vorangehenden Listenelements an</a:t>
+            </a:r>
+          </a:p>
+          <a:p>
+            <a:pPr marL="0" indent="0">
+              <a:buNone/>
+            </a:pPr>
+            <a:endParaRPr lang="de-DE" dirty="0"/>
+          </a:p>
+        </p:txBody>
+      </p:sp>
+      <p:sp>
+        <p:nvSpPr>
+          <p:cNvPr id="3" name="Foliennummernplatzhalter 2">
+            <a:extLst>
+              <a:ext uri="{FF2B5EF4-FFF2-40B4-BE49-F238E27FC236}">
+                <a16:creationId xmlns:a16="http://schemas.microsoft.com/office/drawing/2014/main" id="{08B0FEFD-A226-47B0-876E-9CD877FD1793}"/>
+              </a:ext>
+            </a:extLst>
+          </p:cNvPr>
+          <p:cNvSpPr>
+            <a:spLocks noGrp="1"/>
+          </p:cNvSpPr>
+          <p:nvPr>
+            <p:ph type="sldNum" sz="quarter" idx="12"/>
+          </p:nvPr>
+        </p:nvSpPr>
+        <p:spPr/>
+        <p:txBody>
+          <a:bodyPr/>
+          <a:lstStyle/>
+          <a:p>
+            <a:fld id="{61DD52C0-7EE3-4D4F-A277-C43D929994EC}" type="slidenum">
+              <a:rPr lang="de-DE" smtClean="0"/>
+              <a:t>10</a:t>
+            </a:fld>
+            <a:endParaRPr lang="de-DE"/>
+          </a:p>
+        </p:txBody>
+      </p:sp>
+      <p:pic>
+        <p:nvPicPr>
+          <p:cNvPr id="10" name="Grafik 9">
+            <a:extLst>
+              <a:ext uri="{FF2B5EF4-FFF2-40B4-BE49-F238E27FC236}">
+                <a16:creationId xmlns:a16="http://schemas.microsoft.com/office/drawing/2014/main" id="{18331ED5-F1EE-4355-AC0A-254BE757104B}"/>
+              </a:ext>
+            </a:extLst>
+          </p:cNvPr>
+          <p:cNvPicPr>
+            <a:picLocks noChangeAspect="1"/>
+          </p:cNvPicPr>
+          <p:nvPr/>
+        </p:nvPicPr>
+        <p:blipFill>
+          <a:blip r:embed="rId2"/>
+          <a:stretch>
+            <a:fillRect/>
+          </a:stretch>
+        </p:blipFill>
+        <p:spPr>
+          <a:xfrm>
+            <a:off x="1189940" y="2752630"/>
+            <a:ext cx="4906060" cy="1352739"/>
+          </a:xfrm>
+          <a:prstGeom prst="rect">
+            <a:avLst/>
+          </a:prstGeom>
+        </p:spPr>
+      </p:pic>
+    </p:spTree>
+    <p:extLst>
+      <p:ext uri="{BB962C8B-B14F-4D97-AF65-F5344CB8AC3E}">
+        <p14:creationId xmlns:p14="http://schemas.microsoft.com/office/powerpoint/2010/main" val="1095094907"/>
+      </p:ext>
+    </p:extLst>
+  </p:cSld>
+  <p:clrMapOvr>
+    <a:masterClrMapping/>
+  </p:clrMapOvr>
+</p:sld>
+</file>
+
+<file path=ppt/slides/slide11.xml><?xml version="1.0" encoding="utf-8"?>
+<p:sld xmlns:a="http://schemas.openxmlformats.org/drawingml/2006/main" xmlns:r="http://schemas.openxmlformats.org/officeDocument/2006/relationships" xmlns:p="http://schemas.openxmlformats.org/presentationml/2006/main">
+  <p:cSld>
+    <p:spTree>
+      <p:nvGrpSpPr>
+        <p:cNvPr id="1" name=""/>
+        <p:cNvGrpSpPr/>
+        <p:nvPr/>
+      </p:nvGrpSpPr>
+      <p:grpSpPr>
+        <a:xfrm>
+          <a:off x="0" y="0"/>
+          <a:ext cx="0" cy="0"/>
+          <a:chOff x="0" y="0"/>
+          <a:chExt cx="0" cy="0"/>
+        </a:xfrm>
+      </p:grpSpPr>
+      <p:sp>
+        <p:nvSpPr>
+          <p:cNvPr id="2" name="Titel 1">
+            <a:extLst>
+              <a:ext uri="{FF2B5EF4-FFF2-40B4-BE49-F238E27FC236}">
+                <a16:creationId xmlns:a16="http://schemas.microsoft.com/office/drawing/2014/main" id="{EAF38DF7-A210-4446-8FBA-844D4F27C3CC}"/>
+              </a:ext>
+            </a:extLst>
+          </p:cNvPr>
+          <p:cNvSpPr>
+            <a:spLocks noGrp="1"/>
+          </p:cNvSpPr>
+          <p:nvPr>
+            <p:ph type="title"/>
+          </p:nvPr>
+        </p:nvSpPr>
+        <p:spPr/>
+        <p:txBody>
+          <a:bodyPr/>
+          <a:lstStyle/>
+          <a:p>
+            <a:r>
+              <a:rPr lang="de-DE" dirty="0"/>
+              <a:t>Power </a:t>
+            </a:r>
+            <a:r>
+              <a:rPr lang="de-DE" dirty="0" err="1"/>
+              <a:t>Ups</a:t>
+            </a:r>
+            <a:endParaRPr lang="de-DE" dirty="0"/>
+          </a:p>
+        </p:txBody>
+      </p:sp>
+      <p:sp>
+        <p:nvSpPr>
+          <p:cNvPr id="4" name="Inhaltsplatzhalter 3">
+            <a:extLst>
+              <a:ext uri="{FF2B5EF4-FFF2-40B4-BE49-F238E27FC236}">
+                <a16:creationId xmlns:a16="http://schemas.microsoft.com/office/drawing/2014/main" id="{211E7832-BAE0-4D24-AD99-AEAB70F885BB}"/>
+              </a:ext>
+            </a:extLst>
+          </p:cNvPr>
+          <p:cNvSpPr>
+            <a:spLocks noGrp="1"/>
+          </p:cNvSpPr>
+          <p:nvPr>
+            <p:ph idx="1"/>
+          </p:nvPr>
+        </p:nvSpPr>
+        <p:spPr/>
+        <p:txBody>
+          <a:bodyPr/>
+          <a:lstStyle/>
+          <a:p>
+            <a:r>
+              <a:rPr lang="de-DE" dirty="0"/>
+              <a:t>Schlangenbeschaffenheit</a:t>
+            </a:r>
+          </a:p>
+          <a:p>
+            <a:r>
+              <a:rPr lang="de-DE" dirty="0"/>
+              <a:t>Schlangeninitialisierung</a:t>
+            </a:r>
+          </a:p>
+          <a:p>
+            <a:r>
+              <a:rPr lang="de-DE" dirty="0"/>
+              <a:t>Schlangenbewegung</a:t>
+            </a:r>
+          </a:p>
+          <a:p>
+            <a:r>
+              <a:rPr lang="de-DE" dirty="0"/>
+              <a:t>Power </a:t>
+            </a:r>
+            <a:r>
+              <a:rPr lang="de-DE" dirty="0" err="1"/>
+              <a:t>Ups</a:t>
+            </a:r>
+            <a:endParaRPr lang="de-DE" dirty="0"/>
+          </a:p>
+          <a:p>
+            <a:r>
+              <a:rPr lang="de-DE" dirty="0"/>
+              <a:t>Aktionen (ohne Power </a:t>
+            </a:r>
+            <a:r>
+              <a:rPr lang="de-DE" dirty="0" err="1"/>
+              <a:t>Ups</a:t>
+            </a:r>
+            <a:r>
+              <a:rPr lang="de-DE" dirty="0"/>
+              <a:t>)</a:t>
+            </a:r>
+          </a:p>
+          <a:p>
+            <a:pPr lvl="1"/>
+            <a:r>
+              <a:rPr lang="de-DE" dirty="0"/>
+              <a:t>Schlange trifft Wand</a:t>
+            </a:r>
+          </a:p>
+          <a:p>
+            <a:pPr lvl="1"/>
+            <a:r>
+              <a:rPr lang="de-DE" dirty="0"/>
+              <a:t>Schlange trifft andere Schlange</a:t>
+            </a:r>
+          </a:p>
+          <a:p>
+            <a:pPr lvl="1"/>
+            <a:r>
+              <a:rPr lang="de-DE" dirty="0"/>
+              <a:t>Schlange trifft sich selbst</a:t>
+            </a:r>
+          </a:p>
+        </p:txBody>
+      </p:sp>
+      <p:sp>
+        <p:nvSpPr>
+          <p:cNvPr id="3" name="Foliennummernplatzhalter 2">
+            <a:extLst>
+              <a:ext uri="{FF2B5EF4-FFF2-40B4-BE49-F238E27FC236}">
+                <a16:creationId xmlns:a16="http://schemas.microsoft.com/office/drawing/2014/main" id="{08B0FEFD-A226-47B0-876E-9CD877FD1793}"/>
+              </a:ext>
+            </a:extLst>
+          </p:cNvPr>
+          <p:cNvSpPr>
+            <a:spLocks noGrp="1"/>
+          </p:cNvSpPr>
+          <p:nvPr>
+            <p:ph type="sldNum" sz="quarter" idx="12"/>
+          </p:nvPr>
+        </p:nvSpPr>
+        <p:spPr/>
+        <p:txBody>
+          <a:bodyPr/>
+          <a:lstStyle/>
+          <a:p>
+            <a:fld id="{61DD52C0-7EE3-4D4F-A277-C43D929994EC}" type="slidenum">
+              <a:rPr lang="de-DE" smtClean="0"/>
+              <a:t>11</a:t>
+            </a:fld>
+            <a:endParaRPr lang="de-DE"/>
+          </a:p>
+        </p:txBody>
+      </p:sp>
+    </p:spTree>
+    <p:extLst>
+      <p:ext uri="{BB962C8B-B14F-4D97-AF65-F5344CB8AC3E}">
+        <p14:creationId xmlns:p14="http://schemas.microsoft.com/office/powerpoint/2010/main" val="736166536"/>
+      </p:ext>
+    </p:extLst>
+  </p:cSld>
+  <p:clrMapOvr>
+    <a:masterClrMapping/>
+  </p:clrMapOvr>
+</p:sld>
+</file>
+
+<file path=ppt/slides/slide12.xml><?xml version="1.0" encoding="utf-8"?>
+<p:sld xmlns:a="http://schemas.openxmlformats.org/drawingml/2006/main" xmlns:r="http://schemas.openxmlformats.org/officeDocument/2006/relationships" xmlns:p="http://schemas.openxmlformats.org/presentationml/2006/main">
+  <p:cSld>
+    <p:spTree>
+      <p:nvGrpSpPr>
+        <p:cNvPr id="1" name=""/>
+        <p:cNvGrpSpPr/>
+        <p:nvPr/>
+      </p:nvGrpSpPr>
+      <p:grpSpPr>
+        <a:xfrm>
+          <a:off x="0" y="0"/>
+          <a:ext cx="0" cy="0"/>
+          <a:chOff x="0" y="0"/>
+          <a:chExt cx="0" cy="0"/>
+        </a:xfrm>
+      </p:grpSpPr>
+      <p:sp>
+        <p:nvSpPr>
+          <p:cNvPr id="2" name="Titel 1">
+            <a:extLst>
+              <a:ext uri="{FF2B5EF4-FFF2-40B4-BE49-F238E27FC236}">
+                <a16:creationId xmlns:a16="http://schemas.microsoft.com/office/drawing/2014/main" id="{EAF38DF7-A210-4446-8FBA-844D4F27C3CC}"/>
+              </a:ext>
+            </a:extLst>
+          </p:cNvPr>
+          <p:cNvSpPr>
+            <a:spLocks noGrp="1"/>
+          </p:cNvSpPr>
+          <p:nvPr>
+            <p:ph type="title"/>
+          </p:nvPr>
+        </p:nvSpPr>
+        <p:spPr/>
+        <p:txBody>
+          <a:bodyPr/>
+          <a:lstStyle/>
+          <a:p>
+            <a:r>
+              <a:rPr lang="de-DE" dirty="0"/>
+              <a:t>Aktionen (ohne Power </a:t>
+            </a:r>
+            <a:r>
+              <a:rPr lang="de-DE" dirty="0" err="1"/>
+              <a:t>Ups</a:t>
+            </a:r>
+            <a:r>
+              <a:rPr lang="de-DE" dirty="0"/>
+              <a:t>)</a:t>
+            </a:r>
+          </a:p>
+        </p:txBody>
+      </p:sp>
+      <p:sp>
+        <p:nvSpPr>
+          <p:cNvPr id="4" name="Inhaltsplatzhalter 3">
+            <a:extLst>
+              <a:ext uri="{FF2B5EF4-FFF2-40B4-BE49-F238E27FC236}">
+                <a16:creationId xmlns:a16="http://schemas.microsoft.com/office/drawing/2014/main" id="{211E7832-BAE0-4D24-AD99-AEAB70F885BB}"/>
+              </a:ext>
+            </a:extLst>
+          </p:cNvPr>
+          <p:cNvSpPr>
+            <a:spLocks noGrp="1"/>
+          </p:cNvSpPr>
+          <p:nvPr>
+            <p:ph idx="1"/>
+          </p:nvPr>
+        </p:nvSpPr>
+        <p:spPr/>
+        <p:txBody>
+          <a:bodyPr/>
+          <a:lstStyle/>
+          <a:p>
+            <a:r>
+              <a:rPr lang="de-DE" dirty="0"/>
+              <a:t>Abfrage ob die Schlange durch ein vorheriges </a:t>
+            </a:r>
+            <a:r>
+              <a:rPr lang="de-DE" dirty="0" err="1"/>
+              <a:t>PowerUp</a:t>
+            </a:r>
+            <a:r>
+              <a:rPr lang="de-DE" dirty="0"/>
+              <a:t> Predator ist</a:t>
+            </a:r>
+          </a:p>
+          <a:p>
+            <a:r>
+              <a:rPr lang="de-DE" dirty="0" err="1"/>
+              <a:t>GameOver</a:t>
+            </a:r>
+            <a:r>
+              <a:rPr lang="de-DE" dirty="0"/>
+              <a:t> falls nicht</a:t>
+            </a:r>
+          </a:p>
+          <a:p>
+            <a:r>
+              <a:rPr lang="de-DE" dirty="0"/>
+              <a:t>Die Schlange frisst andere</a:t>
+            </a:r>
+          </a:p>
+          <a:p>
+            <a:pPr marL="0" indent="0">
+              <a:buNone/>
+            </a:pPr>
+            <a:r>
+              <a:rPr lang="de-DE" dirty="0"/>
+              <a:t>   falls schon</a:t>
+            </a:r>
+          </a:p>
+          <a:p>
+            <a:pPr marL="0" indent="0">
+              <a:buNone/>
+            </a:pPr>
+            <a:endParaRPr lang="de-DE" dirty="0"/>
+          </a:p>
+        </p:txBody>
+      </p:sp>
+      <p:sp>
+        <p:nvSpPr>
+          <p:cNvPr id="3" name="Foliennummernplatzhalter 2">
+            <a:extLst>
+              <a:ext uri="{FF2B5EF4-FFF2-40B4-BE49-F238E27FC236}">
+                <a16:creationId xmlns:a16="http://schemas.microsoft.com/office/drawing/2014/main" id="{08B0FEFD-A226-47B0-876E-9CD877FD1793}"/>
+              </a:ext>
+            </a:extLst>
+          </p:cNvPr>
+          <p:cNvSpPr>
+            <a:spLocks noGrp="1"/>
+          </p:cNvSpPr>
+          <p:nvPr>
+            <p:ph type="sldNum" sz="quarter" idx="12"/>
+          </p:nvPr>
+        </p:nvSpPr>
+        <p:spPr/>
+        <p:txBody>
+          <a:bodyPr/>
+          <a:lstStyle/>
+          <a:p>
+            <a:fld id="{61DD52C0-7EE3-4D4F-A277-C43D929994EC}" type="slidenum">
+              <a:rPr lang="de-DE" smtClean="0"/>
+              <a:t>12</a:t>
+            </a:fld>
+            <a:endParaRPr lang="de-DE"/>
+          </a:p>
+        </p:txBody>
+      </p:sp>
+      <p:pic>
+        <p:nvPicPr>
+          <p:cNvPr id="9" name="Grafik 8">
+            <a:extLst>
+              <a:ext uri="{FF2B5EF4-FFF2-40B4-BE49-F238E27FC236}">
+                <a16:creationId xmlns:a16="http://schemas.microsoft.com/office/drawing/2014/main" id="{F3043C0A-1A56-4563-9C20-7D66EE6077F0}"/>
+              </a:ext>
+            </a:extLst>
+          </p:cNvPr>
+          <p:cNvPicPr/>
+          <p:nvPr/>
+        </p:nvPicPr>
+        <p:blipFill>
+          <a:blip r:embed="rId2"/>
+          <a:stretch>
+            <a:fillRect/>
+          </a:stretch>
+        </p:blipFill>
+        <p:spPr>
+          <a:xfrm>
+            <a:off x="5268095" y="2293257"/>
+            <a:ext cx="5603104" cy="4063093"/>
+          </a:xfrm>
+          <a:prstGeom prst="rect">
+            <a:avLst/>
+          </a:prstGeom>
+        </p:spPr>
+      </p:pic>
+    </p:spTree>
+    <p:extLst>
+      <p:ext uri="{BB962C8B-B14F-4D97-AF65-F5344CB8AC3E}">
+        <p14:creationId xmlns:p14="http://schemas.microsoft.com/office/powerpoint/2010/main" val="1478011931"/>
+      </p:ext>
+    </p:extLst>
+  </p:cSld>
+  <p:clrMapOvr>
+    <a:masterClrMapping/>
+  </p:clrMapOvr>
+</p:sld>
+</file>
+
+<file path=ppt/slides/slide13.xml><?xml version="1.0" encoding="utf-8"?>
+<p:sld xmlns:a="http://schemas.openxmlformats.org/drawingml/2006/main" xmlns:r="http://schemas.openxmlformats.org/officeDocument/2006/relationships" xmlns:p="http://schemas.openxmlformats.org/presentationml/2006/main">
+  <p:cSld>
+    <p:spTree>
+      <p:nvGrpSpPr>
+        <p:cNvPr id="1" name=""/>
+        <p:cNvGrpSpPr/>
+        <p:nvPr/>
+      </p:nvGrpSpPr>
+      <p:grpSpPr>
+        <a:xfrm>
+          <a:off x="0" y="0"/>
+          <a:ext cx="0" cy="0"/>
+          <a:chOff x="0" y="0"/>
+          <a:chExt cx="0" cy="0"/>
+        </a:xfrm>
+      </p:grpSpPr>
+      <p:sp>
+        <p:nvSpPr>
+          <p:cNvPr id="2" name="Titel 1">
+            <a:extLst>
+              <a:ext uri="{FF2B5EF4-FFF2-40B4-BE49-F238E27FC236}">
+                <a16:creationId xmlns:a16="http://schemas.microsoft.com/office/drawing/2014/main" id="{EAF38DF7-A210-4446-8FBA-844D4F27C3CC}"/>
+              </a:ext>
+            </a:extLst>
+          </p:cNvPr>
+          <p:cNvSpPr>
+            <a:spLocks noGrp="1"/>
+          </p:cNvSpPr>
+          <p:nvPr>
+            <p:ph type="title"/>
+          </p:nvPr>
+        </p:nvSpPr>
+        <p:spPr/>
+        <p:txBody>
+          <a:bodyPr/>
+          <a:lstStyle/>
+          <a:p>
+            <a:r>
+              <a:rPr lang="de-DE" dirty="0"/>
+              <a:t>Aktionen</a:t>
+            </a:r>
+          </a:p>
+        </p:txBody>
+      </p:sp>
+      <p:sp>
+        <p:nvSpPr>
+          <p:cNvPr id="4" name="Inhaltsplatzhalter 3">
+            <a:extLst>
+              <a:ext uri="{FF2B5EF4-FFF2-40B4-BE49-F238E27FC236}">
+                <a16:creationId xmlns:a16="http://schemas.microsoft.com/office/drawing/2014/main" id="{211E7832-BAE0-4D24-AD99-AEAB70F885BB}"/>
+              </a:ext>
+            </a:extLst>
+          </p:cNvPr>
+          <p:cNvSpPr>
+            <a:spLocks noGrp="1"/>
+          </p:cNvSpPr>
+          <p:nvPr>
+            <p:ph idx="1"/>
+          </p:nvPr>
+        </p:nvSpPr>
+        <p:spPr/>
+        <p:txBody>
+          <a:bodyPr/>
+          <a:lstStyle/>
+          <a:p>
+            <a:pPr marL="0" indent="0">
+              <a:buNone/>
+            </a:pPr>
+            <a:r>
+              <a:rPr lang="de-DE" dirty="0"/>
+              <a:t>Schlange trifft Wand</a:t>
+            </a:r>
+          </a:p>
+          <a:p>
+            <a:pPr marL="0" indent="0">
+              <a:buNone/>
+            </a:pPr>
+            <a:endParaRPr lang="de-DE" dirty="0"/>
+          </a:p>
+        </p:txBody>
+      </p:sp>
+      <p:sp>
+        <p:nvSpPr>
+          <p:cNvPr id="3" name="Foliennummernplatzhalter 2">
+            <a:extLst>
+              <a:ext uri="{FF2B5EF4-FFF2-40B4-BE49-F238E27FC236}">
+                <a16:creationId xmlns:a16="http://schemas.microsoft.com/office/drawing/2014/main" id="{08B0FEFD-A226-47B0-876E-9CD877FD1793}"/>
+              </a:ext>
+            </a:extLst>
+          </p:cNvPr>
+          <p:cNvSpPr>
+            <a:spLocks noGrp="1"/>
+          </p:cNvSpPr>
+          <p:nvPr>
+            <p:ph type="sldNum" sz="quarter" idx="12"/>
+          </p:nvPr>
+        </p:nvSpPr>
+        <p:spPr/>
+        <p:txBody>
+          <a:bodyPr/>
+          <a:lstStyle/>
+          <a:p>
+            <a:fld id="{61DD52C0-7EE3-4D4F-A277-C43D929994EC}" type="slidenum">
+              <a:rPr lang="de-DE" smtClean="0"/>
+              <a:t>13</a:t>
+            </a:fld>
+            <a:endParaRPr lang="de-DE"/>
+          </a:p>
+        </p:txBody>
+      </p:sp>
+      <p:pic>
+        <p:nvPicPr>
+          <p:cNvPr id="8" name="Grafik 7">
+            <a:extLst>
+              <a:ext uri="{FF2B5EF4-FFF2-40B4-BE49-F238E27FC236}">
+                <a16:creationId xmlns:a16="http://schemas.microsoft.com/office/drawing/2014/main" id="{7B28A064-ED42-4DB7-B6A4-E2952872E813}"/>
+              </a:ext>
+            </a:extLst>
+          </p:cNvPr>
+          <p:cNvPicPr>
+            <a:picLocks noChangeAspect="1"/>
+          </p:cNvPicPr>
+          <p:nvPr/>
+        </p:nvPicPr>
+        <p:blipFill>
+          <a:blip r:embed="rId2"/>
+          <a:stretch>
+            <a:fillRect/>
+          </a:stretch>
+        </p:blipFill>
+        <p:spPr>
+          <a:xfrm>
+            <a:off x="3103892" y="2414954"/>
+            <a:ext cx="5506708" cy="3762009"/>
+          </a:xfrm>
+          <a:prstGeom prst="rect">
+            <a:avLst/>
+          </a:prstGeom>
+        </p:spPr>
+      </p:pic>
+    </p:spTree>
+    <p:extLst>
+      <p:ext uri="{BB962C8B-B14F-4D97-AF65-F5344CB8AC3E}">
+        <p14:creationId xmlns:p14="http://schemas.microsoft.com/office/powerpoint/2010/main" val="594977282"/>
+      </p:ext>
+    </p:extLst>
+  </p:cSld>
+  <p:clrMapOvr>
+    <a:masterClrMapping/>
+  </p:clrMapOvr>
+</p:sld>
+</file>
+
+<file path=ppt/slides/slide14.xml><?xml version="1.0" encoding="utf-8"?>
+<p:sld xmlns:a="http://schemas.openxmlformats.org/drawingml/2006/main" xmlns:r="http://schemas.openxmlformats.org/officeDocument/2006/relationships" xmlns:p="http://schemas.openxmlformats.org/presentationml/2006/main">
+  <p:cSld>
+    <p:spTree>
+      <p:nvGrpSpPr>
+        <p:cNvPr id="1" name=""/>
+        <p:cNvGrpSpPr/>
+        <p:nvPr/>
+      </p:nvGrpSpPr>
+      <p:grpSpPr>
+        <a:xfrm>
+          <a:off x="0" y="0"/>
+          <a:ext cx="0" cy="0"/>
+          <a:chOff x="0" y="0"/>
+          <a:chExt cx="0" cy="0"/>
+        </a:xfrm>
+      </p:grpSpPr>
+      <p:sp>
+        <p:nvSpPr>
+          <p:cNvPr id="2" name="Titel 1">
+            <a:extLst>
+              <a:ext uri="{FF2B5EF4-FFF2-40B4-BE49-F238E27FC236}">
+                <a16:creationId xmlns:a16="http://schemas.microsoft.com/office/drawing/2014/main" id="{EAF38DF7-A210-4446-8FBA-844D4F27C3CC}"/>
+              </a:ext>
+            </a:extLst>
+          </p:cNvPr>
+          <p:cNvSpPr>
+            <a:spLocks noGrp="1"/>
+          </p:cNvSpPr>
+          <p:nvPr>
+            <p:ph type="title"/>
+          </p:nvPr>
+        </p:nvSpPr>
+        <p:spPr/>
+        <p:txBody>
+          <a:bodyPr/>
+          <a:lstStyle/>
+          <a:p>
+            <a:r>
+              <a:rPr lang="de-DE" dirty="0"/>
+              <a:t>Aktionen</a:t>
+            </a:r>
+          </a:p>
+        </p:txBody>
+      </p:sp>
+      <p:sp>
+        <p:nvSpPr>
+          <p:cNvPr id="4" name="Inhaltsplatzhalter 3">
+            <a:extLst>
+              <a:ext uri="{FF2B5EF4-FFF2-40B4-BE49-F238E27FC236}">
+                <a16:creationId xmlns:a16="http://schemas.microsoft.com/office/drawing/2014/main" id="{211E7832-BAE0-4D24-AD99-AEAB70F885BB}"/>
+              </a:ext>
+            </a:extLst>
+          </p:cNvPr>
+          <p:cNvSpPr>
+            <a:spLocks noGrp="1"/>
+          </p:cNvSpPr>
+          <p:nvPr>
+            <p:ph idx="1"/>
+          </p:nvPr>
+        </p:nvSpPr>
+        <p:spPr/>
+        <p:txBody>
+          <a:bodyPr/>
+          <a:lstStyle/>
+          <a:p>
+            <a:pPr marL="0" indent="0">
+              <a:buNone/>
+            </a:pPr>
+            <a:r>
+              <a:rPr lang="de-DE" dirty="0"/>
+              <a:t>Schlange trifft sich selbst</a:t>
+            </a:r>
+          </a:p>
+          <a:p>
+            <a:pPr marL="0" indent="0">
+              <a:buNone/>
+            </a:pPr>
+            <a:endParaRPr lang="de-DE" dirty="0"/>
+          </a:p>
+        </p:txBody>
+      </p:sp>
+      <p:sp>
+        <p:nvSpPr>
+          <p:cNvPr id="3" name="Foliennummernplatzhalter 2">
+            <a:extLst>
+              <a:ext uri="{FF2B5EF4-FFF2-40B4-BE49-F238E27FC236}">
+                <a16:creationId xmlns:a16="http://schemas.microsoft.com/office/drawing/2014/main" id="{08B0FEFD-A226-47B0-876E-9CD877FD1793}"/>
+              </a:ext>
+            </a:extLst>
+          </p:cNvPr>
+          <p:cNvSpPr>
+            <a:spLocks noGrp="1"/>
+          </p:cNvSpPr>
+          <p:nvPr>
+            <p:ph type="sldNum" sz="quarter" idx="12"/>
+          </p:nvPr>
+        </p:nvSpPr>
+        <p:spPr/>
+        <p:txBody>
+          <a:bodyPr/>
+          <a:lstStyle/>
+          <a:p>
+            <a:fld id="{61DD52C0-7EE3-4D4F-A277-C43D929994EC}" type="slidenum">
+              <a:rPr lang="de-DE" smtClean="0"/>
+              <a:t>14</a:t>
+            </a:fld>
+            <a:endParaRPr lang="de-DE"/>
+          </a:p>
+        </p:txBody>
+      </p:sp>
+      <p:pic>
+        <p:nvPicPr>
+          <p:cNvPr id="6" name="Grafik 5">
+            <a:extLst>
+              <a:ext uri="{FF2B5EF4-FFF2-40B4-BE49-F238E27FC236}">
+                <a16:creationId xmlns:a16="http://schemas.microsoft.com/office/drawing/2014/main" id="{2477CEA1-D01E-46AF-8727-DA1FAFEFC17B}"/>
+              </a:ext>
+            </a:extLst>
+          </p:cNvPr>
+          <p:cNvPicPr>
+            <a:picLocks noChangeAspect="1"/>
+          </p:cNvPicPr>
+          <p:nvPr/>
+        </p:nvPicPr>
+        <p:blipFill>
+          <a:blip r:embed="rId2"/>
+          <a:stretch>
+            <a:fillRect/>
+          </a:stretch>
+        </p:blipFill>
+        <p:spPr>
+          <a:xfrm>
+            <a:off x="1239115" y="2762810"/>
+            <a:ext cx="9713770" cy="2934605"/>
+          </a:xfrm>
+          <a:prstGeom prst="rect">
+            <a:avLst/>
+          </a:prstGeom>
+        </p:spPr>
+      </p:pic>
+    </p:spTree>
+    <p:extLst>
+      <p:ext uri="{BB962C8B-B14F-4D97-AF65-F5344CB8AC3E}">
+        <p14:creationId xmlns:p14="http://schemas.microsoft.com/office/powerpoint/2010/main" val="3173409775"/>
       </p:ext>
     </p:extLst>
   </p:cSld>
@@ -4746,19 +5634,59 @@
           <a:p>
             <a:r>
               <a:rPr lang="de-DE" dirty="0"/>
-              <a:t>Update Loop</a:t>
-            </a:r>
-          </a:p>
-          <a:p>
-            <a:r>
-              <a:rPr lang="de-DE" dirty="0"/>
-              <a:t>Rendering</a:t>
-            </a:r>
-          </a:p>
-          <a:p>
-            <a:r>
-              <a:rPr lang="de-DE" dirty="0"/>
-              <a:t>Synchronisierung der Spielereingaben</a:t>
+              <a:t>Feldbeschaffenheit</a:t>
+            </a:r>
+          </a:p>
+          <a:p>
+            <a:r>
+              <a:rPr lang="de-DE" dirty="0"/>
+              <a:t>Schlangenbeschaffenheit</a:t>
+            </a:r>
+          </a:p>
+          <a:p>
+            <a:r>
+              <a:rPr lang="de-DE" dirty="0"/>
+              <a:t>Power </a:t>
+            </a:r>
+            <a:r>
+              <a:rPr lang="de-DE" dirty="0" err="1"/>
+              <a:t>Ups</a:t>
+            </a:r>
+            <a:endParaRPr lang="de-DE" dirty="0"/>
+          </a:p>
+          <a:p>
+            <a:r>
+              <a:rPr lang="de-DE" dirty="0"/>
+              <a:t>Aktionen (ohne Power </a:t>
+            </a:r>
+            <a:r>
+              <a:rPr lang="de-DE" dirty="0" err="1"/>
+              <a:t>Ups</a:t>
+            </a:r>
+            <a:r>
+              <a:rPr lang="de-DE" dirty="0"/>
+              <a:t>)</a:t>
+            </a:r>
+          </a:p>
+          <a:p>
+            <a:pPr lvl="1"/>
+            <a:r>
+              <a:rPr lang="de-DE" dirty="0"/>
+              <a:t>Schlange trifft Wand</a:t>
+            </a:r>
+          </a:p>
+          <a:p>
+            <a:pPr lvl="1"/>
+            <a:r>
+              <a:rPr lang="de-DE" dirty="0"/>
+              <a:t>Schlange trifft andere Schlange</a:t>
+            </a:r>
+          </a:p>
+          <a:p>
+            <a:pPr lvl="1"/>
+            <a:r>
+              <a:rPr lang="de-DE" dirty="0"/>
+              <a:t>Schlange trifft sich selbst</a:t>
             </a:r>
           </a:p>
         </p:txBody>
@@ -4796,6 +5724,343 @@
     <p:extLst>
       <p:ext uri="{BB962C8B-B14F-4D97-AF65-F5344CB8AC3E}">
         <p14:creationId xmlns:p14="http://schemas.microsoft.com/office/powerpoint/2010/main" val="2228428843"/>
+      </p:ext>
+    </p:extLst>
+  </p:cSld>
+  <p:clrMapOvr>
+    <a:masterClrMapping/>
+  </p:clrMapOvr>
+</p:sld>
+</file>
+
+<file path=ppt/slides/slide8.xml><?xml version="1.0" encoding="utf-8"?>
+<p:sld xmlns:a="http://schemas.openxmlformats.org/drawingml/2006/main" xmlns:r="http://schemas.openxmlformats.org/officeDocument/2006/relationships" xmlns:p="http://schemas.openxmlformats.org/presentationml/2006/main">
+  <p:cSld>
+    <p:spTree>
+      <p:nvGrpSpPr>
+        <p:cNvPr id="1" name=""/>
+        <p:cNvGrpSpPr/>
+        <p:nvPr/>
+      </p:nvGrpSpPr>
+      <p:grpSpPr>
+        <a:xfrm>
+          <a:off x="0" y="0"/>
+          <a:ext cx="0" cy="0"/>
+          <a:chOff x="0" y="0"/>
+          <a:chExt cx="0" cy="0"/>
+        </a:xfrm>
+      </p:grpSpPr>
+      <p:sp>
+        <p:nvSpPr>
+          <p:cNvPr id="2" name="Titel 1">
+            <a:extLst>
+              <a:ext uri="{FF2B5EF4-FFF2-40B4-BE49-F238E27FC236}">
+                <a16:creationId xmlns:a16="http://schemas.microsoft.com/office/drawing/2014/main" id="{EAF38DF7-A210-4446-8FBA-844D4F27C3CC}"/>
+              </a:ext>
+            </a:extLst>
+          </p:cNvPr>
+          <p:cNvSpPr>
+            <a:spLocks noGrp="1"/>
+          </p:cNvSpPr>
+          <p:nvPr>
+            <p:ph type="title"/>
+          </p:nvPr>
+        </p:nvSpPr>
+        <p:spPr/>
+        <p:txBody>
+          <a:bodyPr/>
+          <a:lstStyle/>
+          <a:p>
+            <a:r>
+              <a:rPr lang="de-DE" dirty="0"/>
+              <a:t>Feldbeschaffenheit</a:t>
+            </a:r>
+          </a:p>
+        </p:txBody>
+      </p:sp>
+      <p:sp>
+        <p:nvSpPr>
+          <p:cNvPr id="4" name="Inhaltsplatzhalter 3">
+            <a:extLst>
+              <a:ext uri="{FF2B5EF4-FFF2-40B4-BE49-F238E27FC236}">
+                <a16:creationId xmlns:a16="http://schemas.microsoft.com/office/drawing/2014/main" id="{211E7832-BAE0-4D24-AD99-AEAB70F885BB}"/>
+              </a:ext>
+            </a:extLst>
+          </p:cNvPr>
+          <p:cNvSpPr>
+            <a:spLocks noGrp="1"/>
+          </p:cNvSpPr>
+          <p:nvPr>
+            <p:ph idx="1"/>
+          </p:nvPr>
+        </p:nvSpPr>
+        <p:spPr/>
+        <p:txBody>
+          <a:bodyPr/>
+          <a:lstStyle/>
+          <a:p>
+            <a:pPr marL="0" indent="0">
+              <a:buNone/>
+            </a:pPr>
+            <a:r>
+              <a:rPr lang="de-DE" dirty="0"/>
+              <a:t>Ein Koordinaten System, mit der Größe übergeben von der Spielerstellungsmaske</a:t>
+            </a:r>
+          </a:p>
+        </p:txBody>
+      </p:sp>
+      <p:sp>
+        <p:nvSpPr>
+          <p:cNvPr id="3" name="Foliennummernplatzhalter 2">
+            <a:extLst>
+              <a:ext uri="{FF2B5EF4-FFF2-40B4-BE49-F238E27FC236}">
+                <a16:creationId xmlns:a16="http://schemas.microsoft.com/office/drawing/2014/main" id="{08B0FEFD-A226-47B0-876E-9CD877FD1793}"/>
+              </a:ext>
+            </a:extLst>
+          </p:cNvPr>
+          <p:cNvSpPr>
+            <a:spLocks noGrp="1"/>
+          </p:cNvSpPr>
+          <p:nvPr>
+            <p:ph type="sldNum" sz="quarter" idx="12"/>
+          </p:nvPr>
+        </p:nvSpPr>
+        <p:spPr/>
+        <p:txBody>
+          <a:bodyPr/>
+          <a:lstStyle/>
+          <a:p>
+            <a:fld id="{61DD52C0-7EE3-4D4F-A277-C43D929994EC}" type="slidenum">
+              <a:rPr lang="de-DE" smtClean="0"/>
+              <a:t>8</a:t>
+            </a:fld>
+            <a:endParaRPr lang="de-DE"/>
+          </a:p>
+        </p:txBody>
+      </p:sp>
+      <p:pic>
+        <p:nvPicPr>
+          <p:cNvPr id="6" name="Grafik 5">
+            <a:extLst>
+              <a:ext uri="{FF2B5EF4-FFF2-40B4-BE49-F238E27FC236}">
+                <a16:creationId xmlns:a16="http://schemas.microsoft.com/office/drawing/2014/main" id="{2FAB2CB7-F1F5-446C-A18C-71B61CB7B927}"/>
+              </a:ext>
+            </a:extLst>
+          </p:cNvPr>
+          <p:cNvPicPr>
+            <a:picLocks noChangeAspect="1"/>
+          </p:cNvPicPr>
+          <p:nvPr/>
+        </p:nvPicPr>
+        <p:blipFill>
+          <a:blip r:embed="rId2"/>
+          <a:stretch>
+            <a:fillRect/>
+          </a:stretch>
+        </p:blipFill>
+        <p:spPr>
+          <a:xfrm>
+            <a:off x="1439248" y="3104811"/>
+            <a:ext cx="8542952" cy="1792966"/>
+          </a:xfrm>
+          <a:prstGeom prst="rect">
+            <a:avLst/>
+          </a:prstGeom>
+        </p:spPr>
+      </p:pic>
+    </p:spTree>
+    <p:extLst>
+      <p:ext uri="{BB962C8B-B14F-4D97-AF65-F5344CB8AC3E}">
+        <p14:creationId xmlns:p14="http://schemas.microsoft.com/office/powerpoint/2010/main" val="2652262254"/>
+      </p:ext>
+    </p:extLst>
+  </p:cSld>
+  <p:clrMapOvr>
+    <a:masterClrMapping/>
+  </p:clrMapOvr>
+</p:sld>
+</file>
+
+<file path=ppt/slides/slide9.xml><?xml version="1.0" encoding="utf-8"?>
+<p:sld xmlns:a="http://schemas.openxmlformats.org/drawingml/2006/main" xmlns:r="http://schemas.openxmlformats.org/officeDocument/2006/relationships" xmlns:p="http://schemas.openxmlformats.org/presentationml/2006/main">
+  <p:cSld>
+    <p:spTree>
+      <p:nvGrpSpPr>
+        <p:cNvPr id="1" name=""/>
+        <p:cNvGrpSpPr/>
+        <p:nvPr/>
+      </p:nvGrpSpPr>
+      <p:grpSpPr>
+        <a:xfrm>
+          <a:off x="0" y="0"/>
+          <a:ext cx="0" cy="0"/>
+          <a:chOff x="0" y="0"/>
+          <a:chExt cx="0" cy="0"/>
+        </a:xfrm>
+      </p:grpSpPr>
+      <p:sp>
+        <p:nvSpPr>
+          <p:cNvPr id="2" name="Titel 1">
+            <a:extLst>
+              <a:ext uri="{FF2B5EF4-FFF2-40B4-BE49-F238E27FC236}">
+                <a16:creationId xmlns:a16="http://schemas.microsoft.com/office/drawing/2014/main" id="{EAF38DF7-A210-4446-8FBA-844D4F27C3CC}"/>
+              </a:ext>
+            </a:extLst>
+          </p:cNvPr>
+          <p:cNvSpPr>
+            <a:spLocks noGrp="1"/>
+          </p:cNvSpPr>
+          <p:nvPr>
+            <p:ph type="title"/>
+          </p:nvPr>
+        </p:nvSpPr>
+        <p:spPr/>
+        <p:txBody>
+          <a:bodyPr/>
+          <a:lstStyle/>
+          <a:p>
+            <a:r>
+              <a:rPr lang="de-DE" dirty="0"/>
+              <a:t>Schlangenbeschaffenheit</a:t>
+            </a:r>
+          </a:p>
+        </p:txBody>
+      </p:sp>
+      <p:sp>
+        <p:nvSpPr>
+          <p:cNvPr id="4" name="Inhaltsplatzhalter 3">
+            <a:extLst>
+              <a:ext uri="{FF2B5EF4-FFF2-40B4-BE49-F238E27FC236}">
+                <a16:creationId xmlns:a16="http://schemas.microsoft.com/office/drawing/2014/main" id="{211E7832-BAE0-4D24-AD99-AEAB70F885BB}"/>
+              </a:ext>
+            </a:extLst>
+          </p:cNvPr>
+          <p:cNvSpPr>
+            <a:spLocks noGrp="1"/>
+          </p:cNvSpPr>
+          <p:nvPr>
+            <p:ph idx="1"/>
+          </p:nvPr>
+        </p:nvSpPr>
+        <p:spPr/>
+        <p:txBody>
+          <a:bodyPr/>
+          <a:lstStyle/>
+          <a:p>
+            <a:pPr marL="0" indent="0">
+              <a:buNone/>
+            </a:pPr>
+            <a:r>
+              <a:rPr lang="de-DE" dirty="0"/>
+              <a:t>Schlange</a:t>
+            </a:r>
+          </a:p>
+          <a:p>
+            <a:r>
+              <a:rPr lang="de-DE" dirty="0"/>
+              <a:t>Liste mit dem Kopf als erstes Listenelement </a:t>
+            </a:r>
+            <a:r>
+              <a:rPr lang="de-DE" i="1" dirty="0" err="1"/>
+              <a:t>snake.head</a:t>
+            </a:r>
+            <a:r>
+              <a:rPr lang="de-DE" i="1" dirty="0"/>
+              <a:t> = </a:t>
+            </a:r>
+            <a:r>
+              <a:rPr lang="de-DE" i="1" dirty="0" err="1"/>
+              <a:t>snake.body</a:t>
+            </a:r>
+            <a:r>
+              <a:rPr lang="de-DE" i="1" dirty="0"/>
+              <a:t>(0)</a:t>
+            </a:r>
+            <a:endParaRPr lang="de-DE" sz="1800" i="1" dirty="0"/>
+          </a:p>
+          <a:p>
+            <a:endParaRPr lang="de-DE" sz="1800" i="1" dirty="0"/>
+          </a:p>
+          <a:p>
+            <a:pPr marL="0" indent="0">
+              <a:buNone/>
+            </a:pPr>
+            <a:r>
+              <a:rPr lang="de-DE" dirty="0"/>
+              <a:t>Initialisierung</a:t>
+            </a:r>
+          </a:p>
+          <a:p>
+            <a:pPr marL="0" indent="0">
+              <a:buNone/>
+            </a:pPr>
+            <a:endParaRPr lang="de-DE" dirty="0"/>
+          </a:p>
+        </p:txBody>
+      </p:sp>
+      <p:sp>
+        <p:nvSpPr>
+          <p:cNvPr id="3" name="Foliennummernplatzhalter 2">
+            <a:extLst>
+              <a:ext uri="{FF2B5EF4-FFF2-40B4-BE49-F238E27FC236}">
+                <a16:creationId xmlns:a16="http://schemas.microsoft.com/office/drawing/2014/main" id="{08B0FEFD-A226-47B0-876E-9CD877FD1793}"/>
+              </a:ext>
+            </a:extLst>
+          </p:cNvPr>
+          <p:cNvSpPr>
+            <a:spLocks noGrp="1"/>
+          </p:cNvSpPr>
+          <p:nvPr>
+            <p:ph type="sldNum" sz="quarter" idx="12"/>
+          </p:nvPr>
+        </p:nvSpPr>
+        <p:spPr/>
+        <p:txBody>
+          <a:bodyPr/>
+          <a:lstStyle/>
+          <a:p>
+            <a:fld id="{61DD52C0-7EE3-4D4F-A277-C43D929994EC}" type="slidenum">
+              <a:rPr lang="de-DE" smtClean="0"/>
+              <a:t>9</a:t>
+            </a:fld>
+            <a:endParaRPr lang="de-DE"/>
+          </a:p>
+        </p:txBody>
+      </p:sp>
+      <p:pic>
+        <p:nvPicPr>
+          <p:cNvPr id="6" name="Grafik 5">
+            <a:extLst>
+              <a:ext uri="{FF2B5EF4-FFF2-40B4-BE49-F238E27FC236}">
+                <a16:creationId xmlns:a16="http://schemas.microsoft.com/office/drawing/2014/main" id="{D3B530BC-00A6-4950-9624-F15F271EDA35}"/>
+              </a:ext>
+            </a:extLst>
+          </p:cNvPr>
+          <p:cNvPicPr>
+            <a:picLocks noChangeAspect="1"/>
+          </p:cNvPicPr>
+          <p:nvPr/>
+        </p:nvPicPr>
+        <p:blipFill>
+          <a:blip r:embed="rId2"/>
+          <a:stretch>
+            <a:fillRect/>
+          </a:stretch>
+        </p:blipFill>
+        <p:spPr>
+          <a:xfrm>
+            <a:off x="3164114" y="3752053"/>
+            <a:ext cx="3730171" cy="2309897"/>
+          </a:xfrm>
+          <a:prstGeom prst="rect">
+            <a:avLst/>
+          </a:prstGeom>
+        </p:spPr>
+      </p:pic>
+    </p:spTree>
+    <p:extLst>
+      <p:ext uri="{BB962C8B-B14F-4D97-AF65-F5344CB8AC3E}">
+        <p14:creationId xmlns:p14="http://schemas.microsoft.com/office/powerpoint/2010/main" val="3319775616"/>
       </p:ext>
     </p:extLst>
   </p:cSld>

--- a/docs/00_Praesentation/PF_SnakeFX.pptx
+++ b/docs/00_Praesentation/PF_SnakeFX.pptx
@@ -210,7 +210,7 @@
           <a:p>
             <a:fld id="{BAB8DCF7-2B6D-4416-A105-B3D90CEC5AE0}" type="datetimeFigureOut">
               <a:rPr lang="de-DE" smtClean="0"/>
-              <a:t>17.02.2021</a:t>
+              <a:t>18.02.2021</a:t>
             </a:fld>
             <a:endParaRPr lang="de-DE"/>
           </a:p>
@@ -477,6 +477,260 @@
 </p:notesMaster>
 </file>
 
+<file path=ppt/notesSlides/notesSlide1.xml><?xml version="1.0" encoding="utf-8"?>
+<p:notes xmlns:a="http://schemas.openxmlformats.org/drawingml/2006/main" xmlns:r="http://schemas.openxmlformats.org/officeDocument/2006/relationships" xmlns:p="http://schemas.openxmlformats.org/presentationml/2006/main">
+  <p:cSld>
+    <p:spTree>
+      <p:nvGrpSpPr>
+        <p:cNvPr id="1" name=""/>
+        <p:cNvGrpSpPr/>
+        <p:nvPr/>
+      </p:nvGrpSpPr>
+      <p:grpSpPr>
+        <a:xfrm>
+          <a:off x="0" y="0"/>
+          <a:ext cx="0" cy="0"/>
+          <a:chOff x="0" y="0"/>
+          <a:chExt cx="0" cy="0"/>
+        </a:xfrm>
+      </p:grpSpPr>
+      <p:sp>
+        <p:nvSpPr>
+          <p:cNvPr id="2" name="Folienbildplatzhalter 1"/>
+          <p:cNvSpPr>
+            <a:spLocks noGrp="1" noRot="1" noChangeAspect="1"/>
+          </p:cNvSpPr>
+          <p:nvPr>
+            <p:ph type="sldImg"/>
+          </p:nvPr>
+        </p:nvSpPr>
+        <p:spPr/>
+      </p:sp>
+      <p:sp>
+        <p:nvSpPr>
+          <p:cNvPr id="3" name="Notizenplatzhalter 2"/>
+          <p:cNvSpPr>
+            <a:spLocks noGrp="1"/>
+          </p:cNvSpPr>
+          <p:nvPr>
+            <p:ph type="body" idx="1"/>
+          </p:nvPr>
+        </p:nvSpPr>
+        <p:spPr/>
+        <p:txBody>
+          <a:bodyPr/>
+          <a:lstStyle/>
+          <a:p>
+            <a:r>
+              <a:rPr lang="de-DE" dirty="0"/>
+              <a:t>Gezeichnet auf einem </a:t>
+            </a:r>
+            <a:r>
+              <a:rPr lang="de-DE" dirty="0" err="1"/>
+              <a:t>canvas</a:t>
+            </a:r>
+            <a:r>
+              <a:rPr lang="de-DE" dirty="0"/>
+              <a:t>: </a:t>
+            </a:r>
+            <a:r>
+              <a:rPr lang="en-US" dirty="0"/>
+              <a:t>Canvas is an image that can be drawn on using a set of graphics commands provided by a </a:t>
+            </a:r>
+            <a:r>
+              <a:rPr lang="en-US" dirty="0" err="1"/>
+              <a:t>GraphicsContext</a:t>
+            </a:r>
+            <a:r>
+              <a:rPr lang="en-US" dirty="0"/>
+              <a:t>.</a:t>
+            </a:r>
+          </a:p>
+          <a:p>
+            <a:r>
+              <a:rPr lang="en-US" dirty="0"/>
+              <a:t>A Canvas node is constructed with a width and height that specifies the size of the image into which the canvas drawing commands are rendered.</a:t>
+            </a:r>
+          </a:p>
+          <a:p>
+            <a:endParaRPr lang="en-US" dirty="0"/>
+          </a:p>
+          <a:p>
+            <a:r>
+              <a:rPr lang="en-US" dirty="0"/>
+              <a:t>Columns und rows </a:t>
+            </a:r>
+            <a:r>
+              <a:rPr lang="en-US" dirty="0" err="1"/>
+              <a:t>als</a:t>
+            </a:r>
+            <a:r>
+              <a:rPr lang="en-US" dirty="0"/>
+              <a:t> </a:t>
+            </a:r>
+            <a:r>
+              <a:rPr lang="en-US" dirty="0" err="1"/>
+              <a:t>koordinatensystem</a:t>
+            </a:r>
+            <a:endParaRPr lang="en-US" dirty="0"/>
+          </a:p>
+          <a:p>
+            <a:endParaRPr lang="en-US" dirty="0"/>
+          </a:p>
+          <a:p>
+            <a:endParaRPr lang="en-US" dirty="0"/>
+          </a:p>
+          <a:p>
+            <a:endParaRPr lang="en-US" dirty="0"/>
+          </a:p>
+          <a:p>
+            <a:endParaRPr lang="de-DE" dirty="0"/>
+          </a:p>
+        </p:txBody>
+      </p:sp>
+      <p:sp>
+        <p:nvSpPr>
+          <p:cNvPr id="4" name="Foliennummernplatzhalter 3"/>
+          <p:cNvSpPr>
+            <a:spLocks noGrp="1"/>
+          </p:cNvSpPr>
+          <p:nvPr>
+            <p:ph type="sldNum" sz="quarter" idx="5"/>
+          </p:nvPr>
+        </p:nvSpPr>
+        <p:spPr/>
+        <p:txBody>
+          <a:bodyPr/>
+          <a:lstStyle/>
+          <a:p>
+            <a:fld id="{C603EB33-234A-4C68-AABD-E715EFADB5F8}" type="slidenum">
+              <a:rPr lang="de-DE" smtClean="0"/>
+              <a:t>8</a:t>
+            </a:fld>
+            <a:endParaRPr lang="de-DE"/>
+          </a:p>
+        </p:txBody>
+      </p:sp>
+    </p:spTree>
+    <p:extLst>
+      <p:ext uri="{BB962C8B-B14F-4D97-AF65-F5344CB8AC3E}">
+        <p14:creationId xmlns:p14="http://schemas.microsoft.com/office/powerpoint/2010/main" val="1522127273"/>
+      </p:ext>
+    </p:extLst>
+  </p:cSld>
+  <p:clrMapOvr>
+    <a:masterClrMapping/>
+  </p:clrMapOvr>
+</p:notes>
+</file>
+
+<file path=ppt/notesSlides/notesSlide2.xml><?xml version="1.0" encoding="utf-8"?>
+<p:notes xmlns:a="http://schemas.openxmlformats.org/drawingml/2006/main" xmlns:r="http://schemas.openxmlformats.org/officeDocument/2006/relationships" xmlns:p="http://schemas.openxmlformats.org/presentationml/2006/main">
+  <p:cSld>
+    <p:spTree>
+      <p:nvGrpSpPr>
+        <p:cNvPr id="1" name=""/>
+        <p:cNvGrpSpPr/>
+        <p:nvPr/>
+      </p:nvGrpSpPr>
+      <p:grpSpPr>
+        <a:xfrm>
+          <a:off x="0" y="0"/>
+          <a:ext cx="0" cy="0"/>
+          <a:chOff x="0" y="0"/>
+          <a:chExt cx="0" cy="0"/>
+        </a:xfrm>
+      </p:grpSpPr>
+      <p:sp>
+        <p:nvSpPr>
+          <p:cNvPr id="2" name="Folienbildplatzhalter 1"/>
+          <p:cNvSpPr>
+            <a:spLocks noGrp="1" noRot="1" noChangeAspect="1"/>
+          </p:cNvSpPr>
+          <p:nvPr>
+            <p:ph type="sldImg"/>
+          </p:nvPr>
+        </p:nvSpPr>
+        <p:spPr/>
+      </p:sp>
+      <p:sp>
+        <p:nvSpPr>
+          <p:cNvPr id="3" name="Notizenplatzhalter 2"/>
+          <p:cNvSpPr>
+            <a:spLocks noGrp="1"/>
+          </p:cNvSpPr>
+          <p:nvPr>
+            <p:ph type="body" idx="1"/>
+          </p:nvPr>
+        </p:nvSpPr>
+        <p:spPr/>
+        <p:txBody>
+          <a:bodyPr/>
+          <a:lstStyle/>
+          <a:p>
+            <a:r>
+              <a:rPr lang="de-DE" dirty="0" err="1"/>
+              <a:t>IsPredator</a:t>
+            </a:r>
+            <a:r>
+              <a:rPr lang="de-DE" dirty="0"/>
+              <a:t> </a:t>
+            </a:r>
+            <a:r>
+              <a:rPr lang="de-DE" dirty="0" err="1"/>
+              <a:t>bruachen</a:t>
+            </a:r>
+            <a:r>
+              <a:rPr lang="de-DE" dirty="0"/>
+              <a:t> wir für die power </a:t>
+            </a:r>
+            <a:r>
+              <a:rPr lang="de-DE" dirty="0" err="1"/>
+              <a:t>ups</a:t>
+            </a:r>
+            <a:r>
+              <a:rPr lang="de-DE" dirty="0"/>
+              <a:t> später</a:t>
+            </a:r>
+          </a:p>
+        </p:txBody>
+      </p:sp>
+      <p:sp>
+        <p:nvSpPr>
+          <p:cNvPr id="4" name="Foliennummernplatzhalter 3"/>
+          <p:cNvSpPr>
+            <a:spLocks noGrp="1"/>
+          </p:cNvSpPr>
+          <p:nvPr>
+            <p:ph type="sldNum" sz="quarter" idx="5"/>
+          </p:nvPr>
+        </p:nvSpPr>
+        <p:spPr/>
+        <p:txBody>
+          <a:bodyPr/>
+          <a:lstStyle/>
+          <a:p>
+            <a:fld id="{C603EB33-234A-4C68-AABD-E715EFADB5F8}" type="slidenum">
+              <a:rPr lang="de-DE" smtClean="0"/>
+              <a:t>9</a:t>
+            </a:fld>
+            <a:endParaRPr lang="de-DE"/>
+          </a:p>
+        </p:txBody>
+      </p:sp>
+    </p:spTree>
+    <p:extLst>
+      <p:ext uri="{BB962C8B-B14F-4D97-AF65-F5344CB8AC3E}">
+        <p14:creationId xmlns:p14="http://schemas.microsoft.com/office/powerpoint/2010/main" val="1909860324"/>
+      </p:ext>
+    </p:extLst>
+  </p:cSld>
+  <p:clrMapOvr>
+    <a:masterClrMapping/>
+  </p:clrMapOvr>
+</p:notes>
+</file>
+
 <file path=ppt/slideLayouts/slideLayout1.xml><?xml version="1.0" encoding="utf-8"?>
 <p:sldLayout xmlns:a="http://schemas.openxmlformats.org/drawingml/2006/main" xmlns:r="http://schemas.openxmlformats.org/officeDocument/2006/relationships" xmlns:p="http://schemas.openxmlformats.org/presentationml/2006/main" type="title" preserve="1">
   <p:cSld name="Titelfolie">
@@ -624,7 +878,7 @@
           <a:p>
             <a:fld id="{CE5AB538-479A-4354-AB70-12B048A9DCBD}" type="datetime1">
               <a:rPr lang="de-DE" smtClean="0"/>
-              <a:t>17.02.2021</a:t>
+              <a:t>18.02.2021</a:t>
             </a:fld>
             <a:endParaRPr lang="de-DE"/>
           </a:p>
@@ -822,7 +1076,7 @@
           <a:p>
             <a:fld id="{2FA0E3BF-3062-4EB4-8933-04194E85369A}" type="datetime1">
               <a:rPr lang="de-DE" smtClean="0"/>
-              <a:t>17.02.2021</a:t>
+              <a:t>18.02.2021</a:t>
             </a:fld>
             <a:endParaRPr lang="de-DE"/>
           </a:p>
@@ -1030,7 +1284,7 @@
           <a:p>
             <a:fld id="{BF35A7FB-F39F-49D9-B562-646B8C2ED832}" type="datetime1">
               <a:rPr lang="de-DE" smtClean="0"/>
-              <a:t>17.02.2021</a:t>
+              <a:t>18.02.2021</a:t>
             </a:fld>
             <a:endParaRPr lang="de-DE"/>
           </a:p>
@@ -1228,7 +1482,7 @@
           <a:p>
             <a:fld id="{CC981285-16DA-415C-B87D-7D2C128537D2}" type="datetime1">
               <a:rPr lang="de-DE" smtClean="0"/>
-              <a:t>17.02.2021</a:t>
+              <a:t>18.02.2021</a:t>
             </a:fld>
             <a:endParaRPr lang="de-DE"/>
           </a:p>
@@ -1503,7 +1757,7 @@
           <a:p>
             <a:fld id="{BA4C4FF7-9C3B-45F4-9D1C-3D25F5D2147C}" type="datetime1">
               <a:rPr lang="de-DE" smtClean="0"/>
-              <a:t>17.02.2021</a:t>
+              <a:t>18.02.2021</a:t>
             </a:fld>
             <a:endParaRPr lang="de-DE"/>
           </a:p>
@@ -1768,7 +2022,7 @@
           <a:p>
             <a:fld id="{28C14887-3BA8-404F-82FA-61F61F989B8E}" type="datetime1">
               <a:rPr lang="de-DE" smtClean="0"/>
-              <a:t>17.02.2021</a:t>
+              <a:t>18.02.2021</a:t>
             </a:fld>
             <a:endParaRPr lang="de-DE"/>
           </a:p>
@@ -2180,7 +2434,7 @@
           <a:p>
             <a:fld id="{13B298D0-9176-445D-AA7B-DA4F8228C2AD}" type="datetime1">
               <a:rPr lang="de-DE" smtClean="0"/>
-              <a:t>17.02.2021</a:t>
+              <a:t>18.02.2021</a:t>
             </a:fld>
             <a:endParaRPr lang="de-DE"/>
           </a:p>
@@ -2321,7 +2575,7 @@
           <a:p>
             <a:fld id="{4F8D158F-32BC-41DA-851C-E8C9062E54CD}" type="datetime1">
               <a:rPr lang="de-DE" smtClean="0"/>
-              <a:t>17.02.2021</a:t>
+              <a:t>18.02.2021</a:t>
             </a:fld>
             <a:endParaRPr lang="de-DE"/>
           </a:p>
@@ -2434,7 +2688,7 @@
           <a:p>
             <a:fld id="{9A326A97-2B4D-479A-803C-7253D7B49868}" type="datetime1">
               <a:rPr lang="de-DE" smtClean="0"/>
-              <a:t>17.02.2021</a:t>
+              <a:t>18.02.2021</a:t>
             </a:fld>
             <a:endParaRPr lang="de-DE"/>
           </a:p>
@@ -2745,7 +2999,7 @@
           <a:p>
             <a:fld id="{6E4A1C1E-9A17-4BE2-9346-96872D98FE42}" type="datetime1">
               <a:rPr lang="de-DE" smtClean="0"/>
-              <a:t>17.02.2021</a:t>
+              <a:t>18.02.2021</a:t>
             </a:fld>
             <a:endParaRPr lang="de-DE"/>
           </a:p>
@@ -3033,7 +3287,7 @@
           <a:p>
             <a:fld id="{71D5543F-E1D8-49B4-A430-0FD93F15630A}" type="datetime1">
               <a:rPr lang="de-DE" smtClean="0"/>
-              <a:t>17.02.2021</a:t>
+              <a:t>18.02.2021</a:t>
             </a:fld>
             <a:endParaRPr lang="de-DE"/>
           </a:p>
@@ -3274,7 +3528,7 @@
           <a:p>
             <a:fld id="{BD1B441C-A48D-44D3-94EC-55D305E1B726}" type="datetime1">
               <a:rPr lang="de-DE" smtClean="0"/>
-              <a:t>17.02.2021</a:t>
+              <a:t>18.02.2021</a:t>
             </a:fld>
             <a:endParaRPr lang="de-DE"/>
           </a:p>
@@ -4126,68 +4380,30 @@
           <a:bodyPr/>
           <a:lstStyle/>
           <a:p>
-            <a:r>
-              <a:rPr lang="de-DE" dirty="0"/>
-              <a:t>Schlangenbeschaffenheit</a:t>
-            </a:r>
-          </a:p>
-          <a:p>
-            <a:r>
-              <a:rPr lang="de-DE" dirty="0"/>
-              <a:t>Schlangeninitialisierung</a:t>
-            </a:r>
-          </a:p>
-          <a:p>
-            <a:r>
-              <a:rPr lang="de-DE" dirty="0"/>
-              <a:t>Schlangenbewegung</a:t>
-            </a:r>
-          </a:p>
-          <a:p>
-            <a:r>
-              <a:rPr lang="de-DE" dirty="0"/>
-              <a:t>Power </a:t>
+            <a:pPr marL="0" indent="0">
+              <a:buNone/>
+            </a:pPr>
+            <a:r>
+              <a:rPr lang="de-DE" dirty="0"/>
+              <a:t>Drei verschiedene </a:t>
             </a:r>
             <a:r>
               <a:rPr lang="de-DE" dirty="0" err="1"/>
-              <a:t>Ups</a:t>
-            </a:r>
+              <a:t>PowerUp</a:t>
+            </a:r>
+            <a:r>
+              <a:rPr lang="de-DE" dirty="0"/>
+              <a:t> typen durch Factory Patterns Umgesetzt</a:t>
+            </a:r>
+          </a:p>
+          <a:p>
+            <a:pPr marL="0" indent="0">
+              <a:buNone/>
+            </a:pPr>
             <a:endParaRPr lang="de-DE" dirty="0"/>
           </a:p>
           <a:p>
-            <a:r>
-              <a:rPr lang="de-DE" dirty="0"/>
-              <a:t>Aktionen (ohne Power </a:t>
-            </a:r>
-            <a:r>
-              <a:rPr lang="de-DE" dirty="0" err="1"/>
-              <a:t>Ups</a:t>
-            </a:r>
-            <a:r>
-              <a:rPr lang="de-DE" dirty="0"/>
-              <a:t>)</a:t>
-            </a:r>
-          </a:p>
-          <a:p>
-            <a:pPr lvl="1"/>
-            <a:r>
-              <a:rPr lang="de-DE" dirty="0"/>
-              <a:t>Schlange trifft Wand</a:t>
-            </a:r>
-          </a:p>
-          <a:p>
-            <a:pPr lvl="1"/>
-            <a:r>
-              <a:rPr lang="de-DE" dirty="0"/>
-              <a:t>Schlange trifft andere Schlange</a:t>
-            </a:r>
-          </a:p>
-          <a:p>
-            <a:pPr lvl="1"/>
-            <a:r>
-              <a:rPr lang="de-DE" dirty="0"/>
-              <a:t>Schlange trifft sich selbst</a:t>
-            </a:r>
+            <a:endParaRPr lang="de-DE" dirty="0"/>
           </a:p>
         </p:txBody>
       </p:sp>
@@ -4220,6 +4436,36 @@
           </a:p>
         </p:txBody>
       </p:sp>
+      <p:pic>
+        <p:nvPicPr>
+          <p:cNvPr id="8" name="Grafik 7">
+            <a:extLst>
+              <a:ext uri="{FF2B5EF4-FFF2-40B4-BE49-F238E27FC236}">
+                <a16:creationId xmlns:a16="http://schemas.microsoft.com/office/drawing/2014/main" id="{C3B1F6FC-C532-44DD-A3FC-39B989E10094}"/>
+              </a:ext>
+            </a:extLst>
+          </p:cNvPr>
+          <p:cNvPicPr>
+            <a:picLocks noChangeAspect="1"/>
+          </p:cNvPicPr>
+          <p:nvPr/>
+        </p:nvPicPr>
+        <p:blipFill>
+          <a:blip r:embed="rId2"/>
+          <a:stretch>
+            <a:fillRect/>
+          </a:stretch>
+        </p:blipFill>
+        <p:spPr>
+          <a:xfrm>
+            <a:off x="3161890" y="3100341"/>
+            <a:ext cx="5868219" cy="657317"/>
+          </a:xfrm>
+          <a:prstGeom prst="rect">
+            <a:avLst/>
+          </a:prstGeom>
+        </p:spPr>
+      </p:pic>
     </p:spTree>
     <p:extLst>
       <p:ext uri="{BB962C8B-B14F-4D97-AF65-F5344CB8AC3E}">
@@ -4333,7 +4579,7 @@
           <a:p>
             <a:r>
               <a:rPr lang="de-DE" dirty="0"/>
-              <a:t>Die Schlange frisst andere</a:t>
+              <a:t>Falls schon, anhängen der </a:t>
             </a:r>
           </a:p>
           <a:p>
@@ -4342,7 +4588,16 @@
             </a:pPr>
             <a:r>
               <a:rPr lang="de-DE" dirty="0"/>
-              <a:t>   falls schon</a:t>
+              <a:t>   der anderen an eigene</a:t>
+            </a:r>
+          </a:p>
+          <a:p>
+            <a:pPr marL="0" indent="0">
+              <a:buNone/>
+            </a:pPr>
+            <a:r>
+              <a:rPr lang="de-DE" dirty="0"/>
+              <a:t>   Schlange</a:t>
             </a:r>
           </a:p>
           <a:p>
@@ -4402,8 +4657,8 @@
         </p:blipFill>
         <p:spPr>
           <a:xfrm>
-            <a:off x="5268095" y="2293257"/>
-            <a:ext cx="5603104" cy="4063093"/>
+            <a:off x="5152571" y="2975428"/>
+            <a:ext cx="4630056" cy="3201535"/>
           </a:xfrm>
           <a:prstGeom prst="rect">
             <a:avLst/>
@@ -5796,7 +6051,9 @@
         </p:nvSpPr>
         <p:spPr/>
         <p:txBody>
-          <a:bodyPr/>
+          <a:bodyPr>
+            <a:normAutofit/>
+          </a:bodyPr>
           <a:lstStyle/>
           <a:p>
             <a:pPr marL="0" indent="0">
@@ -5804,8 +6061,32 @@
             </a:pPr>
             <a:r>
               <a:rPr lang="de-DE" dirty="0"/>
-              <a:t>Ein Koordinaten System, mit der Größe übergeben von der Spielerstellungsmaske</a:t>
-            </a:r>
+              <a:t>Ein Koordinaten System, gezeichnet auf einer Canvas mit der Größe übergeben von der Spielerstellungsmaske</a:t>
+            </a:r>
+          </a:p>
+          <a:p>
+            <a:pPr marL="0" indent="0">
+              <a:buNone/>
+            </a:pPr>
+            <a:endParaRPr lang="de-DE" dirty="0"/>
+          </a:p>
+          <a:p>
+            <a:pPr marL="0" indent="0">
+              <a:buNone/>
+            </a:pPr>
+            <a:endParaRPr lang="de-DE" dirty="0"/>
+          </a:p>
+          <a:p>
+            <a:pPr marL="0" indent="0">
+              <a:buNone/>
+            </a:pPr>
+            <a:endParaRPr lang="de-DE" dirty="0"/>
+          </a:p>
+          <a:p>
+            <a:pPr marL="0" indent="0">
+              <a:buNone/>
+            </a:pPr>
+            <a:endParaRPr lang="de-DE" dirty="0"/>
           </a:p>
         </p:txBody>
       </p:sp>
@@ -5853,14 +6134,14 @@
           <p:nvPr/>
         </p:nvPicPr>
         <p:blipFill>
-          <a:blip r:embed="rId2"/>
+          <a:blip r:embed="rId3"/>
           <a:stretch>
             <a:fillRect/>
           </a:stretch>
         </p:blipFill>
         <p:spPr>
           <a:xfrm>
-            <a:off x="1439248" y="3104811"/>
+            <a:off x="1439248" y="2728129"/>
             <a:ext cx="8542952" cy="1792966"/>
           </a:xfrm>
           <a:prstGeom prst="rect">
@@ -5952,10 +6233,13 @@
             </a:pPr>
             <a:r>
               <a:rPr lang="de-DE" dirty="0"/>
-              <a:t>Schlange</a:t>
-            </a:r>
-          </a:p>
-          <a:p>
+              <a:t>Schlange:</a:t>
+            </a:r>
+          </a:p>
+          <a:p>
+            <a:pPr marL="0" indent="0">
+              <a:buNone/>
+            </a:pPr>
             <a:r>
               <a:rPr lang="de-DE" dirty="0"/>
               <a:t>Liste mit dem Kopf als erstes Listenelement </a:t>
@@ -5987,7 +6271,7 @@
             </a:pPr>
             <a:r>
               <a:rPr lang="de-DE" dirty="0"/>
-              <a:t>Initialisierung</a:t>
+              <a:t>Initialisierung:</a:t>
             </a:r>
           </a:p>
           <a:p>
@@ -6042,7 +6326,7 @@
           <p:nvPr/>
         </p:nvPicPr>
         <p:blipFill>
-          <a:blip r:embed="rId2"/>
+          <a:blip r:embed="rId3"/>
           <a:stretch>
             <a:fillRect/>
           </a:stretch>
